--- a/Mācību materiāls.pptx
+++ b/Mācību materiāls.pptx
@@ -5,10 +5,10 @@
     <p:sldMasterId id="2147483648" r:id="rId1"/>
   </p:sldMasterIdLst>
   <p:notesMasterIdLst>
-    <p:notesMasterId r:id="rId15"/>
+    <p:notesMasterId r:id="rId11"/>
   </p:notesMasterIdLst>
   <p:handoutMasterIdLst>
-    <p:handoutMasterId r:id="rId16"/>
+    <p:handoutMasterId r:id="rId12"/>
   </p:handoutMasterIdLst>
   <p:sldIdLst>
     <p:sldId id="272" r:id="rId2"/>
@@ -20,10 +20,6 @@
     <p:sldId id="267" r:id="rId8"/>
     <p:sldId id="280" r:id="rId9"/>
     <p:sldId id="281" r:id="rId10"/>
-    <p:sldId id="263" r:id="rId11"/>
-    <p:sldId id="278" r:id="rId12"/>
-    <p:sldId id="268" r:id="rId13"/>
-    <p:sldId id="282" r:id="rId14"/>
   </p:sldIdLst>
   <p:sldSz cx="12192000" cy="6858000"/>
   <p:notesSz cx="6858000" cy="9144000"/>
@@ -801,355 +797,6 @@
     <p:extLst>
       <p:ext uri="{BB962C8B-B14F-4D97-AF65-F5344CB8AC3E}">
         <p14:creationId xmlns:p14="http://schemas.microsoft.com/office/powerpoint/2010/main" val="3149589025"/>
-      </p:ext>
-    </p:extLst>
-  </p:cSld>
-  <p:clrMapOvr>
-    <a:masterClrMapping/>
-  </p:clrMapOvr>
-</p:notes>
-</file>
-
-<file path=ppt/notesSlides/notesSlide10.xml><?xml version="1.0" encoding="utf-8"?>
-<p:notes xmlns:a="http://schemas.openxmlformats.org/drawingml/2006/main" xmlns:r="http://schemas.openxmlformats.org/officeDocument/2006/relationships" xmlns:p="http://schemas.openxmlformats.org/presentationml/2006/main">
-  <p:cSld>
-    <p:spTree>
-      <p:nvGrpSpPr>
-        <p:cNvPr id="1" name=""/>
-        <p:cNvGrpSpPr/>
-        <p:nvPr/>
-      </p:nvGrpSpPr>
-      <p:grpSpPr>
-        <a:xfrm>
-          <a:off x="0" y="0"/>
-          <a:ext cx="0" cy="0"/>
-          <a:chOff x="0" y="0"/>
-          <a:chExt cx="0" cy="0"/>
-        </a:xfrm>
-      </p:grpSpPr>
-      <p:sp>
-        <p:nvSpPr>
-          <p:cNvPr id="2" name="Slide Image Placeholder 1"/>
-          <p:cNvSpPr>
-            <a:spLocks noGrp="1" noRot="1" noChangeAspect="1"/>
-          </p:cNvSpPr>
-          <p:nvPr>
-            <p:ph type="sldImg"/>
-          </p:nvPr>
-        </p:nvSpPr>
-        <p:spPr/>
-      </p:sp>
-      <p:sp>
-        <p:nvSpPr>
-          <p:cNvPr id="3" name="Notes Placeholder 2"/>
-          <p:cNvSpPr>
-            <a:spLocks noGrp="1"/>
-          </p:cNvSpPr>
-          <p:nvPr>
-            <p:ph type="body" idx="1"/>
-          </p:nvPr>
-        </p:nvSpPr>
-        <p:spPr/>
-        <p:txBody>
-          <a:bodyPr/>
-          <a:lstStyle/>
-          <a:p>
-            <a:endParaRPr lang="en-GB" dirty="0"/>
-          </a:p>
-        </p:txBody>
-      </p:sp>
-      <p:sp>
-        <p:nvSpPr>
-          <p:cNvPr id="4" name="Slide Number Placeholder 3"/>
-          <p:cNvSpPr>
-            <a:spLocks noGrp="1"/>
-          </p:cNvSpPr>
-          <p:nvPr>
-            <p:ph type="sldNum" sz="quarter" idx="5"/>
-          </p:nvPr>
-        </p:nvSpPr>
-        <p:spPr/>
-        <p:txBody>
-          <a:bodyPr/>
-          <a:lstStyle/>
-          <a:p>
-            <a:pPr rtl="0"/>
-            <a:fld id="{7C366290-4595-5745-A50F-D5EC13BAC604}" type="slidenum">
-              <a:rPr lang="en-GB" smtClean="0"/>
-              <a:t>10</a:t>
-            </a:fld>
-            <a:endParaRPr lang="en-GB" dirty="0"/>
-          </a:p>
-        </p:txBody>
-      </p:sp>
-    </p:spTree>
-    <p:extLst>
-      <p:ext uri="{BB962C8B-B14F-4D97-AF65-F5344CB8AC3E}">
-        <p14:creationId xmlns:p14="http://schemas.microsoft.com/office/powerpoint/2010/main" val="3675587613"/>
-      </p:ext>
-    </p:extLst>
-  </p:cSld>
-  <p:clrMapOvr>
-    <a:masterClrMapping/>
-  </p:clrMapOvr>
-</p:notes>
-</file>
-
-<file path=ppt/notesSlides/notesSlide11.xml><?xml version="1.0" encoding="utf-8"?>
-<p:notes xmlns:a="http://schemas.openxmlformats.org/drawingml/2006/main" xmlns:r="http://schemas.openxmlformats.org/officeDocument/2006/relationships" xmlns:p="http://schemas.openxmlformats.org/presentationml/2006/main">
-  <p:cSld>
-    <p:spTree>
-      <p:nvGrpSpPr>
-        <p:cNvPr id="1" name=""/>
-        <p:cNvGrpSpPr/>
-        <p:nvPr/>
-      </p:nvGrpSpPr>
-      <p:grpSpPr>
-        <a:xfrm>
-          <a:off x="0" y="0"/>
-          <a:ext cx="0" cy="0"/>
-          <a:chOff x="0" y="0"/>
-          <a:chExt cx="0" cy="0"/>
-        </a:xfrm>
-      </p:grpSpPr>
-      <p:sp>
-        <p:nvSpPr>
-          <p:cNvPr id="2" name="Slide Image Placeholder 1"/>
-          <p:cNvSpPr>
-            <a:spLocks noGrp="1" noRot="1" noChangeAspect="1"/>
-          </p:cNvSpPr>
-          <p:nvPr>
-            <p:ph type="sldImg"/>
-          </p:nvPr>
-        </p:nvSpPr>
-        <p:spPr/>
-      </p:sp>
-      <p:sp>
-        <p:nvSpPr>
-          <p:cNvPr id="3" name="Notes Placeholder 2"/>
-          <p:cNvSpPr>
-            <a:spLocks noGrp="1"/>
-          </p:cNvSpPr>
-          <p:nvPr>
-            <p:ph type="body" idx="1"/>
-          </p:nvPr>
-        </p:nvSpPr>
-        <p:spPr/>
-        <p:txBody>
-          <a:bodyPr/>
-          <a:lstStyle/>
-          <a:p>
-            <a:endParaRPr lang="en-GB" dirty="0"/>
-          </a:p>
-        </p:txBody>
-      </p:sp>
-      <p:sp>
-        <p:nvSpPr>
-          <p:cNvPr id="4" name="Slide Number Placeholder 3"/>
-          <p:cNvSpPr>
-            <a:spLocks noGrp="1"/>
-          </p:cNvSpPr>
-          <p:nvPr>
-            <p:ph type="sldNum" sz="quarter" idx="5"/>
-          </p:nvPr>
-        </p:nvSpPr>
-        <p:spPr/>
-        <p:txBody>
-          <a:bodyPr/>
-          <a:lstStyle/>
-          <a:p>
-            <a:pPr rtl="0"/>
-            <a:fld id="{7C366290-4595-5745-A50F-D5EC13BAC604}" type="slidenum">
-              <a:rPr lang="en-GB" smtClean="0"/>
-              <a:t>11</a:t>
-            </a:fld>
-            <a:endParaRPr lang="en-GB" dirty="0"/>
-          </a:p>
-        </p:txBody>
-      </p:sp>
-    </p:spTree>
-    <p:extLst>
-      <p:ext uri="{BB962C8B-B14F-4D97-AF65-F5344CB8AC3E}">
-        <p14:creationId xmlns:p14="http://schemas.microsoft.com/office/powerpoint/2010/main" val="1426581635"/>
-      </p:ext>
-    </p:extLst>
-  </p:cSld>
-  <p:clrMapOvr>
-    <a:masterClrMapping/>
-  </p:clrMapOvr>
-</p:notes>
-</file>
-
-<file path=ppt/notesSlides/notesSlide12.xml><?xml version="1.0" encoding="utf-8"?>
-<p:notes xmlns:a="http://schemas.openxmlformats.org/drawingml/2006/main" xmlns:r="http://schemas.openxmlformats.org/officeDocument/2006/relationships" xmlns:p="http://schemas.openxmlformats.org/presentationml/2006/main">
-  <p:cSld>
-    <p:spTree>
-      <p:nvGrpSpPr>
-        <p:cNvPr id="1" name=""/>
-        <p:cNvGrpSpPr/>
-        <p:nvPr/>
-      </p:nvGrpSpPr>
-      <p:grpSpPr>
-        <a:xfrm>
-          <a:off x="0" y="0"/>
-          <a:ext cx="0" cy="0"/>
-          <a:chOff x="0" y="0"/>
-          <a:chExt cx="0" cy="0"/>
-        </a:xfrm>
-      </p:grpSpPr>
-      <p:sp>
-        <p:nvSpPr>
-          <p:cNvPr id="2" name="Slide Image Placeholder 1"/>
-          <p:cNvSpPr>
-            <a:spLocks noGrp="1" noRot="1" noChangeAspect="1"/>
-          </p:cNvSpPr>
-          <p:nvPr>
-            <p:ph type="sldImg"/>
-          </p:nvPr>
-        </p:nvSpPr>
-        <p:spPr/>
-      </p:sp>
-      <p:sp>
-        <p:nvSpPr>
-          <p:cNvPr id="3" name="Notes Placeholder 2"/>
-          <p:cNvSpPr>
-            <a:spLocks noGrp="1"/>
-          </p:cNvSpPr>
-          <p:nvPr>
-            <p:ph type="body" idx="1"/>
-          </p:nvPr>
-        </p:nvSpPr>
-        <p:spPr/>
-        <p:txBody>
-          <a:bodyPr rtlCol="0"/>
-          <a:lstStyle>
-            <a:defPPr>
-              <a:defRPr lang="en-GB"/>
-            </a:defPPr>
-          </a:lstStyle>
-          <a:p>
-            <a:pPr rtl="0"/>
-            <a:endParaRPr lang="en-GB" dirty="0"/>
-          </a:p>
-        </p:txBody>
-      </p:sp>
-      <p:sp>
-        <p:nvSpPr>
-          <p:cNvPr id="4" name="Slide Number Placeholder 3"/>
-          <p:cNvSpPr>
-            <a:spLocks noGrp="1"/>
-          </p:cNvSpPr>
-          <p:nvPr>
-            <p:ph type="sldNum" sz="quarter" idx="5"/>
-          </p:nvPr>
-        </p:nvSpPr>
-        <p:spPr/>
-        <p:txBody>
-          <a:bodyPr rtlCol="0"/>
-          <a:lstStyle>
-            <a:defPPr>
-              <a:defRPr lang="en-GB"/>
-            </a:defPPr>
-          </a:lstStyle>
-          <a:p>
-            <a:pPr rtl="0"/>
-            <a:fld id="{7C366290-4595-5745-A50F-D5EC13BAC604}" type="slidenum">
-              <a:rPr lang="en-GB" smtClean="0"/>
-              <a:t>12</a:t>
-            </a:fld>
-            <a:endParaRPr lang="en-GB" dirty="0"/>
-          </a:p>
-        </p:txBody>
-      </p:sp>
-    </p:spTree>
-    <p:extLst>
-      <p:ext uri="{BB962C8B-B14F-4D97-AF65-F5344CB8AC3E}">
-        <p14:creationId xmlns:p14="http://schemas.microsoft.com/office/powerpoint/2010/main" val="2919320202"/>
-      </p:ext>
-    </p:extLst>
-  </p:cSld>
-  <p:clrMapOvr>
-    <a:masterClrMapping/>
-  </p:clrMapOvr>
-</p:notes>
-</file>
-
-<file path=ppt/notesSlides/notesSlide13.xml><?xml version="1.0" encoding="utf-8"?>
-<p:notes xmlns:a="http://schemas.openxmlformats.org/drawingml/2006/main" xmlns:r="http://schemas.openxmlformats.org/officeDocument/2006/relationships" xmlns:p="http://schemas.openxmlformats.org/presentationml/2006/main">
-  <p:cSld>
-    <p:spTree>
-      <p:nvGrpSpPr>
-        <p:cNvPr id="1" name=""/>
-        <p:cNvGrpSpPr/>
-        <p:nvPr/>
-      </p:nvGrpSpPr>
-      <p:grpSpPr>
-        <a:xfrm>
-          <a:off x="0" y="0"/>
-          <a:ext cx="0" cy="0"/>
-          <a:chOff x="0" y="0"/>
-          <a:chExt cx="0" cy="0"/>
-        </a:xfrm>
-      </p:grpSpPr>
-      <p:sp>
-        <p:nvSpPr>
-          <p:cNvPr id="2" name="Slide Image Placeholder 1"/>
-          <p:cNvSpPr>
-            <a:spLocks noGrp="1" noRot="1" noChangeAspect="1"/>
-          </p:cNvSpPr>
-          <p:nvPr>
-            <p:ph type="sldImg"/>
-          </p:nvPr>
-        </p:nvSpPr>
-        <p:spPr/>
-      </p:sp>
-      <p:sp>
-        <p:nvSpPr>
-          <p:cNvPr id="3" name="Notes Placeholder 2"/>
-          <p:cNvSpPr>
-            <a:spLocks noGrp="1"/>
-          </p:cNvSpPr>
-          <p:nvPr>
-            <p:ph type="body" idx="1"/>
-          </p:nvPr>
-        </p:nvSpPr>
-        <p:spPr/>
-        <p:txBody>
-          <a:bodyPr/>
-          <a:lstStyle/>
-          <a:p>
-            <a:endParaRPr lang="en-GB" dirty="0"/>
-          </a:p>
-        </p:txBody>
-      </p:sp>
-      <p:sp>
-        <p:nvSpPr>
-          <p:cNvPr id="4" name="Slide Number Placeholder 3"/>
-          <p:cNvSpPr>
-            <a:spLocks noGrp="1"/>
-          </p:cNvSpPr>
-          <p:nvPr>
-            <p:ph type="sldNum" sz="quarter" idx="5"/>
-          </p:nvPr>
-        </p:nvSpPr>
-        <p:spPr/>
-        <p:txBody>
-          <a:bodyPr/>
-          <a:lstStyle/>
-          <a:p>
-            <a:pPr rtl="0"/>
-            <a:fld id="{7C366290-4595-5745-A50F-D5EC13BAC604}" type="slidenum">
-              <a:rPr lang="en-GB" smtClean="0"/>
-              <a:t>13</a:t>
-            </a:fld>
-            <a:endParaRPr lang="en-GB" dirty="0"/>
-          </a:p>
-        </p:txBody>
-      </p:sp>
-    </p:spTree>
-    <p:extLst>
-      <p:ext uri="{BB962C8B-B14F-4D97-AF65-F5344CB8AC3E}">
-        <p14:creationId xmlns:p14="http://schemas.microsoft.com/office/powerpoint/2010/main" val="569576190"/>
       </p:ext>
     </p:extLst>
   </p:cSld>
@@ -41940,1039 +41587,6 @@
     <p:extLst>
       <p:ext uri="{BB962C8B-B14F-4D97-AF65-F5344CB8AC3E}">
         <p14:creationId xmlns:p14="http://schemas.microsoft.com/office/powerpoint/2010/main" val="417536504"/>
-      </p:ext>
-    </p:extLst>
-  </p:cSld>
-  <p:clrMapOvr>
-    <a:masterClrMapping/>
-  </p:clrMapOvr>
-</p:sld>
-</file>
-
-<file path=ppt/slides/slide10.xml><?xml version="1.0" encoding="utf-8"?>
-<p:sld xmlns:a="http://schemas.openxmlformats.org/drawingml/2006/main" xmlns:r="http://schemas.openxmlformats.org/officeDocument/2006/relationships" xmlns:p="http://schemas.openxmlformats.org/presentationml/2006/main">
-  <p:cSld>
-    <p:spTree>
-      <p:nvGrpSpPr>
-        <p:cNvPr id="1" name=""/>
-        <p:cNvGrpSpPr/>
-        <p:nvPr/>
-      </p:nvGrpSpPr>
-      <p:grpSpPr>
-        <a:xfrm>
-          <a:off x="0" y="0"/>
-          <a:ext cx="0" cy="0"/>
-          <a:chOff x="0" y="0"/>
-          <a:chExt cx="0" cy="0"/>
-        </a:xfrm>
-      </p:grpSpPr>
-      <p:sp>
-        <p:nvSpPr>
-          <p:cNvPr id="14" name="Title 13">
-            <a:extLst>
-              <a:ext uri="{FF2B5EF4-FFF2-40B4-BE49-F238E27FC236}">
-                <a16:creationId xmlns:a16="http://schemas.microsoft.com/office/drawing/2014/main" id="{F5768EFB-B317-47EA-C969-D365EB136882}"/>
-              </a:ext>
-            </a:extLst>
-          </p:cNvPr>
-          <p:cNvSpPr>
-            <a:spLocks noGrp="1"/>
-          </p:cNvSpPr>
-          <p:nvPr>
-            <p:ph type="title"/>
-          </p:nvPr>
-        </p:nvSpPr>
-        <p:spPr/>
-        <p:txBody>
-          <a:bodyPr rtlCol="0"/>
-          <a:lstStyle>
-            <a:defPPr>
-              <a:defRPr lang="en-GB"/>
-            </a:defPPr>
-          </a:lstStyle>
-          <a:p>
-            <a:pPr rtl="0"/>
-            <a:r>
-              <a:rPr lang="en-GB" dirty="0"/>
-              <a:t>RICHARD BRANSON</a:t>
-            </a:r>
-          </a:p>
-        </p:txBody>
-      </p:sp>
-      <p:sp>
-        <p:nvSpPr>
-          <p:cNvPr id="16" name="Text Placeholder 15">
-            <a:extLst>
-              <a:ext uri="{FF2B5EF4-FFF2-40B4-BE49-F238E27FC236}">
-                <a16:creationId xmlns:a16="http://schemas.microsoft.com/office/drawing/2014/main" id="{BB801EE7-C3C0-5B30-EB9B-2C995032EE99}"/>
-              </a:ext>
-            </a:extLst>
-          </p:cNvPr>
-          <p:cNvSpPr>
-            <a:spLocks noGrp="1"/>
-          </p:cNvSpPr>
-          <p:nvPr>
-            <p:ph type="body" sz="quarter" idx="13"/>
-          </p:nvPr>
-        </p:nvSpPr>
-        <p:spPr/>
-        <p:txBody>
-          <a:bodyPr rtlCol="0"/>
-          <a:lstStyle>
-            <a:defPPr>
-              <a:defRPr lang="en-GB"/>
-            </a:defPPr>
-          </a:lstStyle>
-          <a:p>
-            <a:pPr rtl="0"/>
-            <a:r>
-              <a:rPr lang="en-GB" dirty="0"/>
-              <a:t>“Business opportunities are like buses.</a:t>
-            </a:r>
-            <a:br>
-              <a:rPr lang="en-GB" dirty="0"/>
-            </a:br>
-            <a:r>
-              <a:rPr lang="en-GB" dirty="0"/>
-              <a:t>There's always another one coming.”</a:t>
-            </a:r>
-          </a:p>
-        </p:txBody>
-      </p:sp>
-      <p:sp>
-        <p:nvSpPr>
-          <p:cNvPr id="2" name="Date Placeholder 1">
-            <a:extLst>
-              <a:ext uri="{FF2B5EF4-FFF2-40B4-BE49-F238E27FC236}">
-                <a16:creationId xmlns:a16="http://schemas.microsoft.com/office/drawing/2014/main" id="{E9350B43-2FC6-DBFA-2920-C8265C1C6A48}"/>
-              </a:ext>
-            </a:extLst>
-          </p:cNvPr>
-          <p:cNvSpPr>
-            <a:spLocks noGrp="1"/>
-          </p:cNvSpPr>
-          <p:nvPr>
-            <p:ph type="dt" sz="half" idx="10"/>
-          </p:nvPr>
-        </p:nvSpPr>
-        <p:spPr/>
-        <p:txBody>
-          <a:bodyPr rtlCol="0"/>
-          <a:lstStyle>
-            <a:defPPr>
-              <a:defRPr lang="en-GB"/>
-            </a:defPPr>
-          </a:lstStyle>
-          <a:p>
-            <a:pPr rtl="0"/>
-            <a:r>
-              <a:rPr lang="en-US" dirty="0"/>
-              <a:t>2024</a:t>
-            </a:r>
-            <a:endParaRPr lang="en-GB" dirty="0"/>
-          </a:p>
-        </p:txBody>
-      </p:sp>
-      <p:sp>
-        <p:nvSpPr>
-          <p:cNvPr id="4" name="Slide Number Placeholder 3">
-            <a:extLst>
-              <a:ext uri="{FF2B5EF4-FFF2-40B4-BE49-F238E27FC236}">
-                <a16:creationId xmlns:a16="http://schemas.microsoft.com/office/drawing/2014/main" id="{6D91CF39-6540-5B9E-8E6C-4310213A7FEF}"/>
-              </a:ext>
-            </a:extLst>
-          </p:cNvPr>
-          <p:cNvSpPr>
-            <a:spLocks noGrp="1"/>
-          </p:cNvSpPr>
-          <p:nvPr>
-            <p:ph type="sldNum" sz="quarter" idx="12"/>
-          </p:nvPr>
-        </p:nvSpPr>
-        <p:spPr/>
-        <p:txBody>
-          <a:bodyPr rtlCol="0"/>
-          <a:lstStyle>
-            <a:defPPr>
-              <a:defRPr lang="en-GB"/>
-            </a:defPPr>
-          </a:lstStyle>
-          <a:p>
-            <a:pPr rtl="0"/>
-            <a:fld id="{58FB4751-880F-D840-AAA9-3A15815CC996}" type="slidenum">
-              <a:rPr lang="en-GB" smtClean="0"/>
-              <a:t>10</a:t>
-            </a:fld>
-            <a:endParaRPr lang="en-GB" dirty="0"/>
-          </a:p>
-        </p:txBody>
-      </p:sp>
-      <p:sp>
-        <p:nvSpPr>
-          <p:cNvPr id="5" name="Footer Placeholder 6">
-            <a:extLst>
-              <a:ext uri="{FF2B5EF4-FFF2-40B4-BE49-F238E27FC236}">
-                <a16:creationId xmlns:a16="http://schemas.microsoft.com/office/drawing/2014/main" id="{5670F7F5-2046-3ADB-49E2-98FB428C4038}"/>
-              </a:ext>
-            </a:extLst>
-          </p:cNvPr>
-          <p:cNvSpPr>
-            <a:spLocks noGrp="1"/>
-          </p:cNvSpPr>
-          <p:nvPr>
-            <p:ph type="ftr" sz="quarter" idx="11"/>
-          </p:nvPr>
-        </p:nvSpPr>
-        <p:spPr>
-          <a:xfrm>
-            <a:off x="4219597" y="6464808"/>
-            <a:ext cx="3752805" cy="310896"/>
-          </a:xfrm>
-        </p:spPr>
-        <p:txBody>
-          <a:bodyPr rtlCol="0"/>
-          <a:lstStyle>
-            <a:defPPr>
-              <a:defRPr lang="en-GB"/>
-            </a:defPPr>
-          </a:lstStyle>
-          <a:p>
-            <a:pPr rtl="0"/>
-            <a:r>
-              <a:rPr lang="pt-BR" dirty="0"/>
-              <a:t>Funkcijas darbam ar simboliem un simbolu virknēm</a:t>
-            </a:r>
-            <a:endParaRPr lang="en-GB" dirty="0"/>
-          </a:p>
-        </p:txBody>
-      </p:sp>
-    </p:spTree>
-    <p:extLst>
-      <p:ext uri="{BB962C8B-B14F-4D97-AF65-F5344CB8AC3E}">
-        <p14:creationId xmlns:p14="http://schemas.microsoft.com/office/powerpoint/2010/main" val="1599021660"/>
-      </p:ext>
-    </p:extLst>
-  </p:cSld>
-  <p:clrMapOvr>
-    <a:masterClrMapping/>
-  </p:clrMapOvr>
-</p:sld>
-</file>
-
-<file path=ppt/slides/slide11.xml><?xml version="1.0" encoding="utf-8"?>
-<p:sld xmlns:a="http://schemas.openxmlformats.org/drawingml/2006/main" xmlns:r="http://schemas.openxmlformats.org/officeDocument/2006/relationships" xmlns:p="http://schemas.openxmlformats.org/presentationml/2006/main">
-  <p:cSld>
-    <p:spTree>
-      <p:nvGrpSpPr>
-        <p:cNvPr id="1" name=""/>
-        <p:cNvGrpSpPr/>
-        <p:nvPr/>
-      </p:nvGrpSpPr>
-      <p:grpSpPr>
-        <a:xfrm>
-          <a:off x="0" y="0"/>
-          <a:ext cx="0" cy="0"/>
-          <a:chOff x="0" y="0"/>
-          <a:chExt cx="0" cy="0"/>
-        </a:xfrm>
-      </p:grpSpPr>
-    </p:spTree>
-    <p:extLst>
-      <p:ext uri="{BB962C8B-B14F-4D97-AF65-F5344CB8AC3E}">
-        <p14:creationId xmlns:p14="http://schemas.microsoft.com/office/powerpoint/2010/main" val="3381299049"/>
-      </p:ext>
-    </p:extLst>
-  </p:cSld>
-  <p:clrMapOvr>
-    <a:masterClrMapping/>
-  </p:clrMapOvr>
-</p:sld>
-</file>
-
-<file path=ppt/slides/slide12.xml><?xml version="1.0" encoding="utf-8"?>
-<p:sld xmlns:a="http://schemas.openxmlformats.org/drawingml/2006/main" xmlns:r="http://schemas.openxmlformats.org/officeDocument/2006/relationships" xmlns:p="http://schemas.openxmlformats.org/presentationml/2006/main">
-  <p:cSld>
-    <p:spTree>
-      <p:nvGrpSpPr>
-        <p:cNvPr id="1" name=""/>
-        <p:cNvGrpSpPr/>
-        <p:nvPr/>
-      </p:nvGrpSpPr>
-      <p:grpSpPr>
-        <a:xfrm>
-          <a:off x="0" y="0"/>
-          <a:ext cx="0" cy="0"/>
-          <a:chOff x="0" y="0"/>
-          <a:chExt cx="0" cy="0"/>
-        </a:xfrm>
-      </p:grpSpPr>
-      <p:sp>
-        <p:nvSpPr>
-          <p:cNvPr id="2" name="Title 1">
-            <a:extLst>
-              <a:ext uri="{FF2B5EF4-FFF2-40B4-BE49-F238E27FC236}">
-                <a16:creationId xmlns:a16="http://schemas.microsoft.com/office/drawing/2014/main" id="{6C47DC31-1488-8091-935A-1B03A14A5CD8}"/>
-              </a:ext>
-            </a:extLst>
-          </p:cNvPr>
-          <p:cNvSpPr>
-            <a:spLocks noGrp="1"/>
-          </p:cNvSpPr>
-          <p:nvPr>
-            <p:ph type="title"/>
-          </p:nvPr>
-        </p:nvSpPr>
-        <p:spPr/>
-        <p:txBody>
-          <a:bodyPr rtlCol="0"/>
-          <a:lstStyle>
-            <a:defPPr>
-              <a:defRPr lang="en-GB"/>
-            </a:defPPr>
-          </a:lstStyle>
-          <a:p>
-            <a:pPr rtl="0"/>
-            <a:r>
-              <a:rPr lang="en-GB" dirty="0"/>
-              <a:t>areas of focus</a:t>
-            </a:r>
-          </a:p>
-        </p:txBody>
-      </p:sp>
-      <p:sp>
-        <p:nvSpPr>
-          <p:cNvPr id="3" name="Text Placeholder 2">
-            <a:extLst>
-              <a:ext uri="{FF2B5EF4-FFF2-40B4-BE49-F238E27FC236}">
-                <a16:creationId xmlns:a16="http://schemas.microsoft.com/office/drawing/2014/main" id="{62F50689-D84C-7977-0A2B-2F0FFFB2014E}"/>
-              </a:ext>
-            </a:extLst>
-          </p:cNvPr>
-          <p:cNvSpPr>
-            <a:spLocks noGrp="1"/>
-          </p:cNvSpPr>
-          <p:nvPr>
-            <p:ph type="body" idx="1"/>
-          </p:nvPr>
-        </p:nvSpPr>
-        <p:spPr/>
-        <p:txBody>
-          <a:bodyPr rtlCol="0">
-            <a:normAutofit/>
-          </a:bodyPr>
-          <a:lstStyle>
-            <a:defPPr>
-              <a:defRPr lang="en-GB"/>
-            </a:defPPr>
-          </a:lstStyle>
-          <a:p>
-            <a:pPr rtl="0"/>
-            <a:r>
-              <a:rPr lang="en-GB" dirty="0"/>
-              <a:t>B2B MARKET SCENARIOS</a:t>
-            </a:r>
-          </a:p>
-        </p:txBody>
-      </p:sp>
-      <p:sp>
-        <p:nvSpPr>
-          <p:cNvPr id="4" name="Content Placeholder 3">
-            <a:extLst>
-              <a:ext uri="{FF2B5EF4-FFF2-40B4-BE49-F238E27FC236}">
-                <a16:creationId xmlns:a16="http://schemas.microsoft.com/office/drawing/2014/main" id="{45A9ECAA-48CB-8CE7-4844-AA2C77D9E359}"/>
-              </a:ext>
-            </a:extLst>
-          </p:cNvPr>
-          <p:cNvSpPr>
-            <a:spLocks noGrp="1"/>
-          </p:cNvSpPr>
-          <p:nvPr>
-            <p:ph sz="half" idx="2"/>
-          </p:nvPr>
-        </p:nvSpPr>
-        <p:spPr/>
-        <p:txBody>
-          <a:bodyPr rtlCol="0"/>
-          <a:lstStyle>
-            <a:defPPr>
-              <a:defRPr lang="en-GB"/>
-            </a:defPPr>
-          </a:lstStyle>
-          <a:p>
-            <a:pPr rtl="0"/>
-            <a:r>
-              <a:rPr lang="en-GB" dirty="0"/>
-              <a:t>Develop winning strategies to keep ahead of the competition</a:t>
-            </a:r>
-          </a:p>
-          <a:p>
-            <a:pPr rtl="0"/>
-            <a:r>
-              <a:rPr lang="en-GB" dirty="0"/>
-              <a:t>Capitalize on low-hanging fruit to identify a ballpark value</a:t>
-            </a:r>
-          </a:p>
-          <a:p>
-            <a:pPr rtl="0"/>
-            <a:r>
-              <a:rPr lang="en-GB" dirty="0"/>
-              <a:t>Visualise customer directed convergence​</a:t>
-            </a:r>
-          </a:p>
-          <a:p>
-            <a:pPr rtl="0"/>
-            <a:endParaRPr lang="en-GB" dirty="0"/>
-          </a:p>
-          <a:p>
-            <a:pPr rtl="0"/>
-            <a:endParaRPr lang="en-GB" dirty="0"/>
-          </a:p>
-          <a:p>
-            <a:pPr rtl="0"/>
-            <a:endParaRPr lang="en-GB" dirty="0"/>
-          </a:p>
-        </p:txBody>
-      </p:sp>
-      <p:sp>
-        <p:nvSpPr>
-          <p:cNvPr id="5" name="Text Placeholder 4">
-            <a:extLst>
-              <a:ext uri="{FF2B5EF4-FFF2-40B4-BE49-F238E27FC236}">
-                <a16:creationId xmlns:a16="http://schemas.microsoft.com/office/drawing/2014/main" id="{E7B10A79-E2EE-5230-2C2A-E6884B5125B1}"/>
-              </a:ext>
-            </a:extLst>
-          </p:cNvPr>
-          <p:cNvSpPr>
-            <a:spLocks noGrp="1"/>
-          </p:cNvSpPr>
-          <p:nvPr>
-            <p:ph type="body" sz="quarter" idx="3"/>
-          </p:nvPr>
-        </p:nvSpPr>
-        <p:spPr/>
-        <p:txBody>
-          <a:bodyPr rtlCol="0">
-            <a:normAutofit/>
-          </a:bodyPr>
-          <a:lstStyle>
-            <a:defPPr>
-              <a:defRPr lang="en-GB"/>
-            </a:defPPr>
-          </a:lstStyle>
-          <a:p>
-            <a:pPr rtl="0"/>
-            <a:r>
-              <a:rPr lang="en-GB" dirty="0"/>
-              <a:t>CLOUD-BASED OPPORTUNITIES</a:t>
-            </a:r>
-          </a:p>
-        </p:txBody>
-      </p:sp>
-      <p:sp>
-        <p:nvSpPr>
-          <p:cNvPr id="7" name="Content Placeholder 6">
-            <a:extLst>
-              <a:ext uri="{FF2B5EF4-FFF2-40B4-BE49-F238E27FC236}">
-                <a16:creationId xmlns:a16="http://schemas.microsoft.com/office/drawing/2014/main" id="{BD1C6792-93C5-DED1-0872-50E165128229}"/>
-              </a:ext>
-            </a:extLst>
-          </p:cNvPr>
-          <p:cNvSpPr>
-            <a:spLocks noGrp="1"/>
-          </p:cNvSpPr>
-          <p:nvPr>
-            <p:ph sz="quarter" idx="4"/>
-          </p:nvPr>
-        </p:nvSpPr>
-        <p:spPr/>
-        <p:txBody>
-          <a:bodyPr rtlCol="0"/>
-          <a:lstStyle>
-            <a:defPPr>
-              <a:defRPr lang="en-GB"/>
-            </a:defPPr>
-          </a:lstStyle>
-          <a:p>
-            <a:pPr rtl="0"/>
-            <a:r>
-              <a:rPr lang="en-GB" dirty="0"/>
-              <a:t>Iterative approaches to corporate strategy</a:t>
-            </a:r>
-          </a:p>
-          <a:p>
-            <a:pPr rtl="0"/>
-            <a:r>
-              <a:rPr lang="en-GB" dirty="0"/>
-              <a:t>Establish a management framework from the inside</a:t>
-            </a:r>
-          </a:p>
-          <a:p>
-            <a:pPr rtl="0"/>
-            <a:endParaRPr lang="en-GB" dirty="0"/>
-          </a:p>
-          <a:p>
-            <a:pPr rtl="0"/>
-            <a:endParaRPr lang="en-GB" dirty="0"/>
-          </a:p>
-        </p:txBody>
-      </p:sp>
-      <p:sp>
-        <p:nvSpPr>
-          <p:cNvPr id="8" name="Date Placeholder 7">
-            <a:extLst>
-              <a:ext uri="{FF2B5EF4-FFF2-40B4-BE49-F238E27FC236}">
-                <a16:creationId xmlns:a16="http://schemas.microsoft.com/office/drawing/2014/main" id="{3B8B492D-0778-C859-9200-08161ABEBFE5}"/>
-              </a:ext>
-            </a:extLst>
-          </p:cNvPr>
-          <p:cNvSpPr>
-            <a:spLocks noGrp="1"/>
-          </p:cNvSpPr>
-          <p:nvPr>
-            <p:ph type="dt" sz="half" idx="10"/>
-          </p:nvPr>
-        </p:nvSpPr>
-        <p:spPr/>
-        <p:txBody>
-          <a:bodyPr rtlCol="0"/>
-          <a:lstStyle>
-            <a:defPPr>
-              <a:defRPr lang="en-GB"/>
-            </a:defPPr>
-          </a:lstStyle>
-          <a:p>
-            <a:pPr rtl="0"/>
-            <a:r>
-              <a:rPr lang="en-US" dirty="0"/>
-              <a:t>2024</a:t>
-            </a:r>
-            <a:endParaRPr lang="en-GB" dirty="0"/>
-          </a:p>
-        </p:txBody>
-      </p:sp>
-      <p:sp>
-        <p:nvSpPr>
-          <p:cNvPr id="10" name="Slide Number Placeholder 9">
-            <a:extLst>
-              <a:ext uri="{FF2B5EF4-FFF2-40B4-BE49-F238E27FC236}">
-                <a16:creationId xmlns:a16="http://schemas.microsoft.com/office/drawing/2014/main" id="{A9210D02-BD78-856B-08E2-820032AC6B71}"/>
-              </a:ext>
-            </a:extLst>
-          </p:cNvPr>
-          <p:cNvSpPr>
-            <a:spLocks noGrp="1"/>
-          </p:cNvSpPr>
-          <p:nvPr>
-            <p:ph type="sldNum" sz="quarter" idx="12"/>
-          </p:nvPr>
-        </p:nvSpPr>
-        <p:spPr/>
-        <p:txBody>
-          <a:bodyPr rtlCol="0"/>
-          <a:lstStyle>
-            <a:defPPr>
-              <a:defRPr lang="en-GB"/>
-            </a:defPPr>
-          </a:lstStyle>
-          <a:p>
-            <a:pPr rtl="0"/>
-            <a:fld id="{58FB4751-880F-D840-AAA9-3A15815CC996}" type="slidenum">
-              <a:rPr lang="en-GB" smtClean="0"/>
-              <a:pPr rtl="0"/>
-              <a:t>12</a:t>
-            </a:fld>
-            <a:endParaRPr lang="en-GB" dirty="0"/>
-          </a:p>
-        </p:txBody>
-      </p:sp>
-      <p:sp>
-        <p:nvSpPr>
-          <p:cNvPr id="6" name="Footer Placeholder 6">
-            <a:extLst>
-              <a:ext uri="{FF2B5EF4-FFF2-40B4-BE49-F238E27FC236}">
-                <a16:creationId xmlns:a16="http://schemas.microsoft.com/office/drawing/2014/main" id="{FDD89033-AE56-68BF-F71D-BC8221ECE810}"/>
-              </a:ext>
-            </a:extLst>
-          </p:cNvPr>
-          <p:cNvSpPr>
-            <a:spLocks noGrp="1"/>
-          </p:cNvSpPr>
-          <p:nvPr>
-            <p:ph type="ftr" sz="quarter" idx="11"/>
-          </p:nvPr>
-        </p:nvSpPr>
-        <p:spPr>
-          <a:xfrm>
-            <a:off x="4219597" y="6464808"/>
-            <a:ext cx="3752805" cy="310896"/>
-          </a:xfrm>
-        </p:spPr>
-        <p:txBody>
-          <a:bodyPr rtlCol="0"/>
-          <a:lstStyle>
-            <a:defPPr>
-              <a:defRPr lang="en-GB"/>
-            </a:defPPr>
-          </a:lstStyle>
-          <a:p>
-            <a:pPr rtl="0"/>
-            <a:r>
-              <a:rPr lang="pt-BR" dirty="0"/>
-              <a:t>Funkcijas darbam ar simboliem un simbolu virknēm</a:t>
-            </a:r>
-            <a:endParaRPr lang="en-GB" dirty="0"/>
-          </a:p>
-        </p:txBody>
-      </p:sp>
-    </p:spTree>
-    <p:extLst>
-      <p:ext uri="{BB962C8B-B14F-4D97-AF65-F5344CB8AC3E}">
-        <p14:creationId xmlns:p14="http://schemas.microsoft.com/office/powerpoint/2010/main" val="2776825968"/>
-      </p:ext>
-    </p:extLst>
-  </p:cSld>
-  <p:clrMapOvr>
-    <a:masterClrMapping/>
-  </p:clrMapOvr>
-</p:sld>
-</file>
-
-<file path=ppt/slides/slide13.xml><?xml version="1.0" encoding="utf-8"?>
-<p:sld xmlns:a="http://schemas.openxmlformats.org/drawingml/2006/main" xmlns:r="http://schemas.openxmlformats.org/officeDocument/2006/relationships" xmlns:p="http://schemas.openxmlformats.org/presentationml/2006/main">
-  <p:cSld>
-    <p:spTree>
-      <p:nvGrpSpPr>
-        <p:cNvPr id="1" name=""/>
-        <p:cNvGrpSpPr/>
-        <p:nvPr/>
-      </p:nvGrpSpPr>
-      <p:grpSpPr>
-        <a:xfrm>
-          <a:off x="0" y="0"/>
-          <a:ext cx="0" cy="0"/>
-          <a:chOff x="0" y="0"/>
-          <a:chExt cx="0" cy="0"/>
-        </a:xfrm>
-      </p:grpSpPr>
-      <p:sp>
-        <p:nvSpPr>
-          <p:cNvPr id="6" name="Title 5">
-            <a:extLst>
-              <a:ext uri="{FF2B5EF4-FFF2-40B4-BE49-F238E27FC236}">
-                <a16:creationId xmlns:a16="http://schemas.microsoft.com/office/drawing/2014/main" id="{147179F7-8740-03DE-F133-BBA41988A64A}"/>
-              </a:ext>
-            </a:extLst>
-          </p:cNvPr>
-          <p:cNvSpPr>
-            <a:spLocks noGrp="1"/>
-          </p:cNvSpPr>
-          <p:nvPr>
-            <p:ph type="title"/>
-          </p:nvPr>
-        </p:nvSpPr>
-        <p:spPr/>
-        <p:txBody>
-          <a:bodyPr rtlCol="0"/>
-          <a:lstStyle>
-            <a:defPPr>
-              <a:defRPr lang="en-GB"/>
-            </a:defPPr>
-          </a:lstStyle>
-          <a:p>
-            <a:pPr rtl="0"/>
-            <a:r>
-              <a:rPr lang="en-GB" dirty="0"/>
-              <a:t>how we get there</a:t>
-            </a:r>
-          </a:p>
-        </p:txBody>
-      </p:sp>
-      <p:sp>
-        <p:nvSpPr>
-          <p:cNvPr id="2" name="Text Placeholder 1">
-            <a:extLst>
-              <a:ext uri="{FF2B5EF4-FFF2-40B4-BE49-F238E27FC236}">
-                <a16:creationId xmlns:a16="http://schemas.microsoft.com/office/drawing/2014/main" id="{F1B8956B-A56B-EDCF-EBC0-2683C44A22AF}"/>
-              </a:ext>
-            </a:extLst>
-          </p:cNvPr>
-          <p:cNvSpPr>
-            <a:spLocks noGrp="1"/>
-          </p:cNvSpPr>
-          <p:nvPr>
-            <p:ph type="body" idx="1"/>
-          </p:nvPr>
-        </p:nvSpPr>
-        <p:spPr/>
-        <p:txBody>
-          <a:bodyPr rtlCol="0"/>
-          <a:lstStyle>
-            <a:defPPr>
-              <a:defRPr lang="en-GB"/>
-            </a:defPPr>
-          </a:lstStyle>
-          <a:p>
-            <a:pPr rtl="0"/>
-            <a:r>
-              <a:rPr lang="en-GB" dirty="0"/>
-              <a:t>ROI</a:t>
-            </a:r>
-          </a:p>
-        </p:txBody>
-      </p:sp>
-      <p:sp>
-        <p:nvSpPr>
-          <p:cNvPr id="3" name="Content Placeholder 2">
-            <a:extLst>
-              <a:ext uri="{FF2B5EF4-FFF2-40B4-BE49-F238E27FC236}">
-                <a16:creationId xmlns:a16="http://schemas.microsoft.com/office/drawing/2014/main" id="{D92BF9C1-9009-C934-C11C-54570A5234B7}"/>
-              </a:ext>
-            </a:extLst>
-          </p:cNvPr>
-          <p:cNvSpPr>
-            <a:spLocks noGrp="1"/>
-          </p:cNvSpPr>
-          <p:nvPr>
-            <p:ph sz="half" idx="2"/>
-          </p:nvPr>
-        </p:nvSpPr>
-        <p:spPr/>
-        <p:txBody>
-          <a:bodyPr rtlCol="0"/>
-          <a:lstStyle>
-            <a:defPPr>
-              <a:defRPr lang="en-GB"/>
-            </a:defPPr>
-          </a:lstStyle>
-          <a:p>
-            <a:pPr rtl="0"/>
-            <a:r>
-              <a:rPr lang="en-GB" dirty="0"/>
-              <a:t>Envision multimedia-based expertise and cross-media growth strategies</a:t>
-            </a:r>
-          </a:p>
-          <a:p>
-            <a:pPr rtl="0"/>
-            <a:endParaRPr lang="en-GB" dirty="0"/>
-          </a:p>
-          <a:p>
-            <a:pPr rtl="0"/>
-            <a:r>
-              <a:rPr lang="en-GB" dirty="0"/>
-              <a:t>Visualise quality intellectual capital</a:t>
-            </a:r>
-          </a:p>
-          <a:p>
-            <a:pPr rtl="0"/>
-            <a:endParaRPr lang="en-GB" dirty="0"/>
-          </a:p>
-          <a:p>
-            <a:pPr rtl="0"/>
-            <a:r>
-              <a:rPr lang="en-GB" dirty="0"/>
-              <a:t>Engage worldwide methodologies with web-enabled technologies</a:t>
-            </a:r>
-          </a:p>
-          <a:p>
-            <a:pPr rtl="0"/>
-            <a:endParaRPr lang="en-GB" dirty="0"/>
-          </a:p>
-          <a:p>
-            <a:pPr rtl="0"/>
-            <a:endParaRPr lang="en-GB" dirty="0"/>
-          </a:p>
-          <a:p>
-            <a:pPr rtl="0"/>
-            <a:endParaRPr lang="en-GB" dirty="0"/>
-          </a:p>
-        </p:txBody>
-      </p:sp>
-      <p:sp>
-        <p:nvSpPr>
-          <p:cNvPr id="4" name="Text Placeholder 3">
-            <a:extLst>
-              <a:ext uri="{FF2B5EF4-FFF2-40B4-BE49-F238E27FC236}">
-                <a16:creationId xmlns:a16="http://schemas.microsoft.com/office/drawing/2014/main" id="{7027F3E1-56D0-3EB8-15CC-D50D6E0645C4}"/>
-              </a:ext>
-            </a:extLst>
-          </p:cNvPr>
-          <p:cNvSpPr>
-            <a:spLocks noGrp="1"/>
-          </p:cNvSpPr>
-          <p:nvPr>
-            <p:ph type="body" sz="quarter" idx="3"/>
-          </p:nvPr>
-        </p:nvSpPr>
-        <p:spPr/>
-        <p:txBody>
-          <a:bodyPr rtlCol="0"/>
-          <a:lstStyle>
-            <a:defPPr>
-              <a:defRPr lang="en-GB"/>
-            </a:defPPr>
-          </a:lstStyle>
-          <a:p>
-            <a:pPr rtl="0"/>
-            <a:r>
-              <a:rPr lang="en-GB" dirty="0"/>
-              <a:t>NICHE MARKETS</a:t>
-            </a:r>
-          </a:p>
-        </p:txBody>
-      </p:sp>
-      <p:sp>
-        <p:nvSpPr>
-          <p:cNvPr id="5" name="Content Placeholder 4">
-            <a:extLst>
-              <a:ext uri="{FF2B5EF4-FFF2-40B4-BE49-F238E27FC236}">
-                <a16:creationId xmlns:a16="http://schemas.microsoft.com/office/drawing/2014/main" id="{A45EB57E-48A5-AA9B-7682-56298F1431CB}"/>
-              </a:ext>
-            </a:extLst>
-          </p:cNvPr>
-          <p:cNvSpPr>
-            <a:spLocks noGrp="1"/>
-          </p:cNvSpPr>
-          <p:nvPr>
-            <p:ph sz="quarter" idx="4"/>
-          </p:nvPr>
-        </p:nvSpPr>
-        <p:spPr/>
-        <p:txBody>
-          <a:bodyPr rtlCol="0"/>
-          <a:lstStyle>
-            <a:defPPr>
-              <a:defRPr lang="en-GB"/>
-            </a:defPPr>
-          </a:lstStyle>
-          <a:p>
-            <a:pPr rtl="0"/>
-            <a:r>
-              <a:rPr lang="en-GB" dirty="0"/>
-              <a:t>Pursue scalable customer service through sustainable strategies</a:t>
-            </a:r>
-          </a:p>
-          <a:p>
-            <a:pPr rtl="0"/>
-            <a:endParaRPr lang="en-GB" dirty="0"/>
-          </a:p>
-          <a:p>
-            <a:pPr rtl="0"/>
-            <a:r>
-              <a:rPr lang="en-GB" dirty="0"/>
-              <a:t>Engage top-line web services with cutting-edge deliverables</a:t>
-            </a:r>
-          </a:p>
-          <a:p>
-            <a:pPr rtl="0"/>
-            <a:endParaRPr lang="en-GB" dirty="0"/>
-          </a:p>
-        </p:txBody>
-      </p:sp>
-      <p:sp>
-        <p:nvSpPr>
-          <p:cNvPr id="7" name="Text Placeholder 6">
-            <a:extLst>
-              <a:ext uri="{FF2B5EF4-FFF2-40B4-BE49-F238E27FC236}">
-                <a16:creationId xmlns:a16="http://schemas.microsoft.com/office/drawing/2014/main" id="{94BC0BBB-72F7-8CAB-4F61-F84474773790}"/>
-              </a:ext>
-            </a:extLst>
-          </p:cNvPr>
-          <p:cNvSpPr>
-            <a:spLocks noGrp="1"/>
-          </p:cNvSpPr>
-          <p:nvPr>
-            <p:ph type="body" sz="quarter" idx="13"/>
-          </p:nvPr>
-        </p:nvSpPr>
-        <p:spPr/>
-        <p:txBody>
-          <a:bodyPr rtlCol="0"/>
-          <a:lstStyle>
-            <a:defPPr>
-              <a:defRPr lang="en-GB"/>
-            </a:defPPr>
-          </a:lstStyle>
-          <a:p>
-            <a:pPr rtl="0"/>
-            <a:r>
-              <a:rPr lang="en-GB" dirty="0"/>
-              <a:t>SUPPLY CHAINS</a:t>
-            </a:r>
-          </a:p>
-        </p:txBody>
-      </p:sp>
-      <p:sp>
-        <p:nvSpPr>
-          <p:cNvPr id="8" name="Content Placeholder 7">
-            <a:extLst>
-              <a:ext uri="{FF2B5EF4-FFF2-40B4-BE49-F238E27FC236}">
-                <a16:creationId xmlns:a16="http://schemas.microsoft.com/office/drawing/2014/main" id="{98D6AC14-9AD9-9C42-046A-6E2B3E9561B7}"/>
-              </a:ext>
-            </a:extLst>
-          </p:cNvPr>
-          <p:cNvSpPr>
-            <a:spLocks noGrp="1"/>
-          </p:cNvSpPr>
-          <p:nvPr>
-            <p:ph sz="quarter" idx="14"/>
-          </p:nvPr>
-        </p:nvSpPr>
-        <p:spPr/>
-        <p:txBody>
-          <a:bodyPr rtlCol="0"/>
-          <a:lstStyle>
-            <a:defPPr>
-              <a:defRPr lang="en-GB"/>
-            </a:defPPr>
-          </a:lstStyle>
-          <a:p>
-            <a:pPr rtl="0"/>
-            <a:r>
-              <a:rPr lang="en-GB" dirty="0"/>
-              <a:t>Cultivate one-to-one customer service with robust ideas</a:t>
-            </a:r>
-          </a:p>
-          <a:p>
-            <a:pPr rtl="0"/>
-            <a:endParaRPr lang="en-GB" dirty="0"/>
-          </a:p>
-          <a:p>
-            <a:pPr rtl="0"/>
-            <a:r>
-              <a:rPr lang="en-GB" dirty="0"/>
-              <a:t>Maximise timely deliverables for real-time schemas</a:t>
-            </a:r>
-          </a:p>
-          <a:p>
-            <a:pPr rtl="0"/>
-            <a:endParaRPr lang="en-GB" dirty="0"/>
-          </a:p>
-          <a:p>
-            <a:pPr rtl="0"/>
-            <a:endParaRPr lang="en-GB" dirty="0"/>
-          </a:p>
-          <a:p>
-            <a:pPr rtl="0"/>
-            <a:endParaRPr lang="en-GB" dirty="0"/>
-          </a:p>
-          <a:p>
-            <a:pPr rtl="0"/>
-            <a:endParaRPr lang="en-GB" dirty="0"/>
-          </a:p>
-        </p:txBody>
-      </p:sp>
-      <p:sp>
-        <p:nvSpPr>
-          <p:cNvPr id="9" name="Date Placeholder 8">
-            <a:extLst>
-              <a:ext uri="{FF2B5EF4-FFF2-40B4-BE49-F238E27FC236}">
-                <a16:creationId xmlns:a16="http://schemas.microsoft.com/office/drawing/2014/main" id="{1B391B61-21BC-7309-D50E-A2FA872838C1}"/>
-              </a:ext>
-            </a:extLst>
-          </p:cNvPr>
-          <p:cNvSpPr>
-            <a:spLocks noGrp="1"/>
-          </p:cNvSpPr>
-          <p:nvPr>
-            <p:ph type="dt" sz="half" idx="10"/>
-          </p:nvPr>
-        </p:nvSpPr>
-        <p:spPr/>
-        <p:txBody>
-          <a:bodyPr rtlCol="0"/>
-          <a:lstStyle>
-            <a:defPPr>
-              <a:defRPr lang="en-GB"/>
-            </a:defPPr>
-          </a:lstStyle>
-          <a:p>
-            <a:pPr rtl="0"/>
-            <a:r>
-              <a:rPr lang="en-US" dirty="0"/>
-              <a:t>2024</a:t>
-            </a:r>
-            <a:endParaRPr lang="en-GB" dirty="0"/>
-          </a:p>
-        </p:txBody>
-      </p:sp>
-      <p:sp>
-        <p:nvSpPr>
-          <p:cNvPr id="11" name="Slide Number Placeholder 10">
-            <a:extLst>
-              <a:ext uri="{FF2B5EF4-FFF2-40B4-BE49-F238E27FC236}">
-                <a16:creationId xmlns:a16="http://schemas.microsoft.com/office/drawing/2014/main" id="{63AABF76-F42A-5213-B615-6C140041CC74}"/>
-              </a:ext>
-            </a:extLst>
-          </p:cNvPr>
-          <p:cNvSpPr>
-            <a:spLocks noGrp="1"/>
-          </p:cNvSpPr>
-          <p:nvPr>
-            <p:ph type="sldNum" sz="quarter" idx="12"/>
-          </p:nvPr>
-        </p:nvSpPr>
-        <p:spPr/>
-        <p:txBody>
-          <a:bodyPr rtlCol="0"/>
-          <a:lstStyle>
-            <a:defPPr>
-              <a:defRPr lang="en-GB"/>
-            </a:defPPr>
-          </a:lstStyle>
-          <a:p>
-            <a:pPr rtl="0"/>
-            <a:fld id="{58FB4751-880F-D840-AAA9-3A15815CC996}" type="slidenum">
-              <a:rPr lang="en-GB" smtClean="0"/>
-              <a:pPr rtl="0"/>
-              <a:t>13</a:t>
-            </a:fld>
-            <a:endParaRPr lang="en-GB" dirty="0"/>
-          </a:p>
-        </p:txBody>
-      </p:sp>
-      <p:sp>
-        <p:nvSpPr>
-          <p:cNvPr id="12" name="Footer Placeholder 6">
-            <a:extLst>
-              <a:ext uri="{FF2B5EF4-FFF2-40B4-BE49-F238E27FC236}">
-                <a16:creationId xmlns:a16="http://schemas.microsoft.com/office/drawing/2014/main" id="{341112E5-F0BE-CAEE-9C60-8BB5F34E8619}"/>
-              </a:ext>
-            </a:extLst>
-          </p:cNvPr>
-          <p:cNvSpPr>
-            <a:spLocks noGrp="1"/>
-          </p:cNvSpPr>
-          <p:nvPr>
-            <p:ph type="ftr" sz="quarter" idx="11"/>
-          </p:nvPr>
-        </p:nvSpPr>
-        <p:spPr>
-          <a:xfrm>
-            <a:off x="4219597" y="6464808"/>
-            <a:ext cx="3752805" cy="310896"/>
-          </a:xfrm>
-        </p:spPr>
-        <p:txBody>
-          <a:bodyPr rtlCol="0"/>
-          <a:lstStyle>
-            <a:defPPr>
-              <a:defRPr lang="en-GB"/>
-            </a:defPPr>
-          </a:lstStyle>
-          <a:p>
-            <a:pPr rtl="0"/>
-            <a:r>
-              <a:rPr lang="pt-BR" dirty="0"/>
-              <a:t>Funkcijas darbam ar simboliem un simbolu virknēm</a:t>
-            </a:r>
-            <a:endParaRPr lang="en-GB" dirty="0"/>
-          </a:p>
-        </p:txBody>
-      </p:sp>
-    </p:spTree>
-    <p:extLst>
-      <p:ext uri="{BB962C8B-B14F-4D97-AF65-F5344CB8AC3E}">
-        <p14:creationId xmlns:p14="http://schemas.microsoft.com/office/powerpoint/2010/main" val="2522900624"/>
       </p:ext>
     </p:extLst>
   </p:cSld>
@@ -46955,6 +45569,80 @@
               <a:buAutoNum type="arabicPeriod"/>
             </a:pPr>
             <a:r>
+              <a:rPr lang="en-GB" sz="2000" dirty="0">
+                <a:hlinkClick r:id="rId3"/>
+              </a:rPr>
+              <a:t>https://www.w3schools.com</a:t>
+            </a:r>
+            <a:r>
+              <a:rPr lang="en-GB" sz="2000" dirty="0"/>
+              <a:t>  </a:t>
+            </a:r>
+          </a:p>
+          <a:p>
+            <a:pPr marL="342900" indent="-342900" rtl="0">
+              <a:buFont typeface="+mj-lt"/>
+              <a:buAutoNum type="arabicPeriod"/>
+            </a:pPr>
+            <a:endParaRPr lang="en-GB" sz="2000" dirty="0"/>
+          </a:p>
+          <a:p>
+            <a:pPr marL="342900" indent="-342900" rtl="0">
+              <a:buFont typeface="+mj-lt"/>
+              <a:buAutoNum type="arabicPeriod"/>
+            </a:pPr>
+            <a:r>
+              <a:rPr lang="en-GB" sz="2000" dirty="0">
+                <a:hlinkClick r:id="rId4"/>
+              </a:rPr>
+              <a:t>https://www.w3schools.com/java_strings</a:t>
+            </a:r>
+            <a:endParaRPr lang="en-GB" sz="2000" dirty="0"/>
+          </a:p>
+          <a:p>
+            <a:pPr marL="342900" indent="-342900" rtl="0">
+              <a:buFont typeface="+mj-lt"/>
+              <a:buAutoNum type="arabicPeriod"/>
+            </a:pPr>
+            <a:endParaRPr lang="en-GB" sz="2000" dirty="0">
+              <a:hlinkClick r:id="rId5"/>
+            </a:endParaRPr>
+          </a:p>
+          <a:p>
+            <a:pPr marL="342900" indent="-342900" rtl="0">
+              <a:buFont typeface="+mj-lt"/>
+              <a:buAutoNum type="arabicPeriod"/>
+            </a:pPr>
+            <a:r>
+              <a:rPr lang="en-GB" sz="2000" dirty="0">
+                <a:hlinkClick r:id="rId5"/>
+              </a:rPr>
+              <a:t>https://stackoverflow.com</a:t>
+            </a:r>
+            <a:r>
+              <a:rPr lang="en-GB" sz="2000" dirty="0"/>
+              <a:t> </a:t>
+            </a:r>
+          </a:p>
+          <a:p>
+            <a:pPr marL="342900" indent="-342900" rtl="0">
+              <a:buFont typeface="+mj-lt"/>
+              <a:buAutoNum type="arabicPeriod"/>
+            </a:pPr>
+            <a:endParaRPr lang="en-GB" sz="2000" dirty="0"/>
+          </a:p>
+          <a:p>
+            <a:pPr marL="342900" indent="-342900" rtl="0">
+              <a:buFont typeface="+mj-lt"/>
+              <a:buAutoNum type="arabicPeriod"/>
+            </a:pPr>
+            <a:r>
+              <a:rPr lang="en-GB" sz="2000" dirty="0">
+                <a:hlinkClick r:id="rId6"/>
+              </a:rPr>
+              <a:t>https://medium.com</a:t>
+            </a:r>
+            <a:r>
               <a:rPr lang="en-GB" sz="2000" dirty="0"/>
               <a:t> </a:t>
             </a:r>
@@ -46978,7 +45666,7 @@
           </p:nvPr>
         </p:nvPicPr>
         <p:blipFill>
-          <a:blip r:embed="rId3"/>
+          <a:blip r:embed="rId7"/>
           <a:srcRect l="21417" r="21417"/>
           <a:stretch/>
         </p:blipFill>
